--- a/NNAMDI LEONARD'S PROJECT - POWERPOINT.pptx
+++ b/NNAMDI LEONARD'S PROJECT - POWERPOINT.pptx
@@ -12,8 +12,8 @@
     <p:sldId id="261" r:id="rId6"/>
     <p:sldId id="262" r:id="rId7"/>
     <p:sldId id="264" r:id="rId8"/>
-    <p:sldId id="266" r:id="rId9"/>
-    <p:sldId id="263" r:id="rId10"/>
+    <p:sldId id="263" r:id="rId9"/>
+    <p:sldId id="266" r:id="rId10"/>
     <p:sldId id="265" r:id="rId11"/>
     <p:sldId id="260" r:id="rId12"/>
   </p:sldIdLst>
@@ -7810,17 +7810,36 @@
         </p:spPr>
         <p:txBody>
           <a:bodyPr>
-            <a:normAutofit fontScale="92500" lnSpcReduction="10000"/>
+            <a:normAutofit fontScale="92500"/>
           </a:bodyPr>
           <a:lstStyle/>
           <a:p>
             <a:pPr algn="just"/>
+            <a:r>
+              <a:rPr lang="en-US" sz="3600" dirty="0">
+                <a:latin typeface="-apple-system"/>
+              </a:rPr>
+              <a:t>With regards</a:t>
+            </a:r>
             <a:r>
               <a:rPr lang="en-US" sz="3600" b="0" i="0" dirty="0">
                 <a:effectLst/>
                 <a:latin typeface="-apple-system"/>
               </a:rPr>
-              <a:t>15 of these Unicorn Companies so far recorded their Return on Investment well below the 10.5% ROI benchmark for a successful company: with 4 of these companies as low as negative 100%. In the absence of data on detailed financial indicators like their expenses (cost of operation), liabilities, assets and income over time periods etc. My strongest direction to focus on what the problem is, will be their costs of operation/service rendering(which involves logistics and delivery) amongst others.</a:t>
+              <a:t> to the Unicorn Companies </a:t>
+            </a:r>
+            <a:r>
+              <a:rPr lang="en-US" sz="3600" dirty="0">
+                <a:latin typeface="-apple-system"/>
+              </a:rPr>
+              <a:t>who </a:t>
+            </a:r>
+            <a:r>
+              <a:rPr lang="en-US" sz="3600" b="0" i="0" dirty="0">
+                <a:effectLst/>
+                <a:latin typeface="-apple-system"/>
+              </a:rPr>
+              <a:t>recorded their Return on Investment well below the 10.5% benchmark for a successful company; In the absence of data on detailed financial indicators like their expenses (cost of operation), liabilities, assets and income over time periods etc. My strongest direction to focus on what the problem is, will be their costs of operation/service rendering(which involves logistics and delivery) amongst others.</a:t>
             </a:r>
             <a:endParaRPr lang="en-US" sz="3600" dirty="0"/>
           </a:p>
@@ -12540,7 +12559,7 @@
       </p:grpSpPr>
       <p:pic>
         <p:nvPicPr>
-          <p:cNvPr id="34" name="Picture 33">
+          <p:cNvPr id="33" name="Picture 32">
             <a:extLst>
               <a:ext uri="{FF2B5EF4-FFF2-40B4-BE49-F238E27FC236}">
                 <a16:creationId xmlns:a16="http://schemas.microsoft.com/office/drawing/2014/main" id="{5321D838-2C7E-4177-9DD3-DAC78324A2B2}"/>
@@ -12586,7 +12605,7 @@
       </p:pic>
       <p:pic>
         <p:nvPicPr>
-          <p:cNvPr id="36" name="Picture 35">
+          <p:cNvPr id="35" name="Picture 34">
             <a:extLst>
               <a:ext uri="{FF2B5EF4-FFF2-40B4-BE49-F238E27FC236}">
                 <a16:creationId xmlns:a16="http://schemas.microsoft.com/office/drawing/2014/main" id="{224C28B3-E902-49D1-98A0-582D277A0E00}"/>
@@ -12631,7 +12650,7 @@
       </p:pic>
       <p:pic>
         <p:nvPicPr>
-          <p:cNvPr id="38" name="Picture 37">
+          <p:cNvPr id="37" name="Picture 36">
             <a:extLst>
               <a:ext uri="{FF2B5EF4-FFF2-40B4-BE49-F238E27FC236}">
                 <a16:creationId xmlns:a16="http://schemas.microsoft.com/office/drawing/2014/main" id="{F3A6C14C-E755-4A02-821B-6EA2D4C9F20D}"/>
@@ -12676,7 +12695,7 @@
       </p:pic>
       <p:sp>
         <p:nvSpPr>
-          <p:cNvPr id="40" name="Rectangle 39">
+          <p:cNvPr id="39" name="Rectangle 38">
             <a:extLst>
               <a:ext uri="{FF2B5EF4-FFF2-40B4-BE49-F238E27FC236}">
                 <a16:creationId xmlns:a16="http://schemas.microsoft.com/office/drawing/2014/main" id="{6478287C-E119-4E9C-95B0-518478BD9D07}"/>
@@ -12734,7 +12753,7 @@
       </p:sp>
       <p:sp>
         <p:nvSpPr>
-          <p:cNvPr id="42" name="Rectangle 41">
+          <p:cNvPr id="41" name="Rectangle 40">
             <a:extLst>
               <a:ext uri="{FF2B5EF4-FFF2-40B4-BE49-F238E27FC236}">
                 <a16:creationId xmlns:a16="http://schemas.microsoft.com/office/drawing/2014/main" id="{EA4A294F-6D36-425B-8632-27FD6A284D09}"/>
@@ -12789,7 +12808,7 @@
       </p:sp>
       <p:pic>
         <p:nvPicPr>
-          <p:cNvPr id="44" name="Picture 43">
+          <p:cNvPr id="43" name="Picture 42">
             <a:extLst>
               <a:ext uri="{FF2B5EF4-FFF2-40B4-BE49-F238E27FC236}">
                 <a16:creationId xmlns:a16="http://schemas.microsoft.com/office/drawing/2014/main" id="{D8DF5C3E-BDAB-40E6-A40B-8C05D8CD3F52}"/>
@@ -12849,7 +12868,7 @@
       </p:pic>
       <p:pic>
         <p:nvPicPr>
-          <p:cNvPr id="46" name="Picture 45">
+          <p:cNvPr id="45" name="Picture 44">
             <a:extLst>
               <a:ext uri="{FF2B5EF4-FFF2-40B4-BE49-F238E27FC236}">
                 <a16:creationId xmlns:a16="http://schemas.microsoft.com/office/drawing/2014/main" id="{9D90C31A-86E3-472B-B929-496667598EFF}"/>
@@ -12895,7 +12914,7 @@
       </p:pic>
       <p:sp>
         <p:nvSpPr>
-          <p:cNvPr id="48" name="Rectangle 47">
+          <p:cNvPr id="47" name="Rectangle 46">
             <a:extLst>
               <a:ext uri="{FF2B5EF4-FFF2-40B4-BE49-F238E27FC236}">
                 <a16:creationId xmlns:a16="http://schemas.microsoft.com/office/drawing/2014/main" id="{9DD3589A-DB65-424B-ACF1-5C8155F1C3A8}"/>
@@ -12955,7 +12974,7 @@
       </p:sp>
       <p:sp>
         <p:nvSpPr>
-          <p:cNvPr id="50" name="Rectangle 49">
+          <p:cNvPr id="49" name="Rectangle 48">
             <a:extLst>
               <a:ext uri="{FF2B5EF4-FFF2-40B4-BE49-F238E27FC236}">
                 <a16:creationId xmlns:a16="http://schemas.microsoft.com/office/drawing/2014/main" id="{9F784D76-D302-4160-A2D4-C2F4AB76D478}"/>
@@ -13013,7 +13032,7 @@
           <p:cNvPr id="2" name="Title 1">
             <a:extLst>
               <a:ext uri="{FF2B5EF4-FFF2-40B4-BE49-F238E27FC236}">
-                <a16:creationId xmlns:a16="http://schemas.microsoft.com/office/drawing/2014/main" id="{7AEEB363-0D90-1432-5259-4AB985D20749}"/>
+                <a16:creationId xmlns:a16="http://schemas.microsoft.com/office/drawing/2014/main" id="{296EDEE9-2628-0067-AFF9-6E28E2686A80}"/>
               </a:ext>
             </a:extLst>
           </p:cNvPr>
@@ -13037,33 +13056,19 @@
           <a:lstStyle/>
           <a:p>
             <a:r>
-              <a:rPr lang="en-US" sz="2500" b="1" i="0">
+              <a:rPr lang="en-US" sz="2300">
                 <a:solidFill>
                   <a:srgbClr val="FFFFFF"/>
                 </a:solidFill>
-                <a:effectLst/>
               </a:rPr>
-              <a:t>COMPANIES WITH THE WORST ROI</a:t>
-            </a:r>
-            <a:br>
-              <a:rPr lang="en-US" sz="2500" b="1" i="0">
-                <a:solidFill>
-                  <a:srgbClr val="FFFFFF"/>
-                </a:solidFill>
-                <a:effectLst/>
-              </a:rPr>
-            </a:br>
-            <a:endParaRPr lang="en-US" sz="2500">
-              <a:solidFill>
-                <a:srgbClr val="FFFFFF"/>
-              </a:solidFill>
-            </a:endParaRPr>
+              <a:t>THE MOST FREQUENT INVESTOR IN UNICORN COMPANIES AND THEIR INVESTMENT</a:t>
+            </a:r>
           </a:p>
         </p:txBody>
       </p:sp>
       <p:pic>
         <p:nvPicPr>
-          <p:cNvPr id="52" name="Picture 51">
+          <p:cNvPr id="51" name="Picture 50">
             <a:extLst>
               <a:ext uri="{FF2B5EF4-FFF2-40B4-BE49-F238E27FC236}">
                 <a16:creationId xmlns:a16="http://schemas.microsoft.com/office/drawing/2014/main" id="{608D9710-1A5F-4D24-B654-F2081DE6014C}"/>
@@ -13108,10 +13113,10 @@
       </p:pic>
       <p:sp>
         <p:nvSpPr>
-          <p:cNvPr id="3" name="TextBox 2">
+          <p:cNvPr id="4" name="TextBox 3">
             <a:extLst>
               <a:ext uri="{FF2B5EF4-FFF2-40B4-BE49-F238E27FC236}">
-                <a16:creationId xmlns:a16="http://schemas.microsoft.com/office/drawing/2014/main" id="{5EFA9489-C152-B4C2-1BB4-5CCA986A6E76}"/>
+                <a16:creationId xmlns:a16="http://schemas.microsoft.com/office/drawing/2014/main" id="{70DED1BF-238E-AA6E-FCDB-183B8BC92A27}"/>
               </a:ext>
             </a:extLst>
           </p:cNvPr>
@@ -13144,7 +13149,7 @@
               <a:buChar char="•"/>
             </a:pPr>
             <a:r>
-              <a:rPr lang="en-US" sz="2000" b="0" i="0" dirty="0">
+              <a:rPr lang="en-US" sz="1700" b="0" i="0" dirty="0">
                 <a:solidFill>
                   <a:srgbClr val="FFFFFF"/>
                 </a:solidFill>
@@ -13165,31 +13170,13 @@
               <a:buChar char="•"/>
             </a:pPr>
             <a:r>
-              <a:rPr lang="en-US" sz="2000" b="0" i="0" dirty="0">
+              <a:rPr lang="en-US" sz="1700" b="0" i="0" dirty="0">
                 <a:solidFill>
                   <a:srgbClr val="FFFFFF"/>
                 </a:solidFill>
                 <a:effectLst/>
               </a:rPr>
-              <a:t>15 of these companies are below the 10.5% standard on ROI for a </a:t>
-            </a:r>
-            <a:r>
-              <a:rPr lang="en-US" sz="2000" b="0" i="0" dirty="0" err="1">
-                <a:solidFill>
-                  <a:srgbClr val="FFFFFF"/>
-                </a:solidFill>
-                <a:effectLst/>
-              </a:rPr>
-              <a:t>succesful</a:t>
-            </a:r>
-            <a:r>
-              <a:rPr lang="en-US" sz="2000" b="0" i="0" dirty="0">
-                <a:solidFill>
-                  <a:srgbClr val="FFFFFF"/>
-                </a:solidFill>
-                <a:effectLst/>
-              </a:rPr>
-              <a:t> company, with 4 of these companies having a negative 100% ROI.</a:t>
+              <a:t>From analysis, Sequoia Capital was found to be the most frequent investor by investing in three(3) Unicorn Companies. The companies and the amount invested is listed below: </a:t>
             </a:r>
           </a:p>
           <a:p>
@@ -13203,7 +13190,91 @@
               <a:buFont typeface="Arial" panose="020B0604020202020204" pitchFamily="34" charset="0"/>
               <a:buChar char="•"/>
             </a:pPr>
-            <a:endParaRPr lang="en-US" sz="2000" dirty="0">
+            <a:r>
+              <a:rPr lang="en-US" sz="1700" b="0" i="0" dirty="0">
+                <a:solidFill>
+                  <a:srgbClr val="FFFFFF"/>
+                </a:solidFill>
+                <a:effectLst/>
+              </a:rPr>
+              <a:t>    1. MUSINSA - USD287 Million</a:t>
+            </a:r>
+          </a:p>
+          <a:p>
+            <a:pPr indent="-228600" defTabSz="914400">
+              <a:lnSpc>
+                <a:spcPct val="90000"/>
+              </a:lnSpc>
+              <a:spcAft>
+                <a:spcPts val="600"/>
+              </a:spcAft>
+              <a:buFont typeface="Arial" panose="020B0604020202020204" pitchFamily="34" charset="0"/>
+              <a:buChar char="•"/>
+            </a:pPr>
+            <a:r>
+              <a:rPr lang="en-US" sz="1700" b="0" i="0" dirty="0">
+                <a:solidFill>
+                  <a:srgbClr val="FFFFFF"/>
+                </a:solidFill>
+                <a:effectLst/>
+              </a:rPr>
+              <a:t>    2. Retool  - USD96 Million</a:t>
+            </a:r>
+          </a:p>
+          <a:p>
+            <a:pPr indent="-228600" defTabSz="914400">
+              <a:lnSpc>
+                <a:spcPct val="90000"/>
+              </a:lnSpc>
+              <a:spcAft>
+                <a:spcPts val="600"/>
+              </a:spcAft>
+              <a:buFont typeface="Arial" panose="020B0604020202020204" pitchFamily="34" charset="0"/>
+              <a:buChar char="•"/>
+            </a:pPr>
+            <a:r>
+              <a:rPr lang="en-US" sz="1700" b="0" i="0" dirty="0">
+                <a:solidFill>
+                  <a:srgbClr val="FFFFFF"/>
+                </a:solidFill>
+                <a:effectLst/>
+              </a:rPr>
+              <a:t>    3. SSENSE  - USD4 Billion</a:t>
+            </a:r>
+          </a:p>
+          <a:p>
+            <a:pPr indent="-228600" defTabSz="914400">
+              <a:lnSpc>
+                <a:spcPct val="90000"/>
+              </a:lnSpc>
+              <a:spcAft>
+                <a:spcPts val="600"/>
+              </a:spcAft>
+              <a:buFont typeface="Arial" panose="020B0604020202020204" pitchFamily="34" charset="0"/>
+              <a:buChar char="•"/>
+            </a:pPr>
+            <a:r>
+              <a:rPr lang="en-US" sz="1700" b="0" i="0" dirty="0">
+                <a:solidFill>
+                  <a:srgbClr val="FFFFFF"/>
+                </a:solidFill>
+                <a:effectLst/>
+              </a:rPr>
+              <a:t>- It is important to note that according to the data, they may not be the sole investors of the said monies but are seen to be the most frequent of investors amongst the list of Unicorn Companies.</a:t>
+            </a:r>
+          </a:p>
+          <a:p>
+            <a:pPr indent="-228600" defTabSz="914400">
+              <a:lnSpc>
+                <a:spcPct val="90000"/>
+              </a:lnSpc>
+              <a:spcAft>
+                <a:spcPts val="600"/>
+              </a:spcAft>
+              <a:buFont typeface="Arial" panose="020B0604020202020204" pitchFamily="34" charset="0"/>
+              <a:buChar char="•"/>
+            </a:pPr>
+            <a:endParaRPr lang="en-US" sz="1700" dirty="0">
               <a:solidFill>
                 <a:srgbClr val="FFFFFF"/>
               </a:solidFill>
@@ -13213,7 +13284,7 @@
       </p:sp>
       <p:sp useBgFill="1">
         <p:nvSpPr>
-          <p:cNvPr id="54" name="Rectangle 53">
+          <p:cNvPr id="53" name="Rectangle 52">
             <a:extLst>
               <a:ext uri="{FF2B5EF4-FFF2-40B4-BE49-F238E27FC236}">
                 <a16:creationId xmlns:a16="http://schemas.microsoft.com/office/drawing/2014/main" id="{2B57E7D2-A94B-4A8D-B58F-D3E30C2353DE}"/>
@@ -13280,10 +13351,10 @@
       </p:sp>
       <p:pic>
         <p:nvPicPr>
-          <p:cNvPr id="6" name="Picture 5">
+          <p:cNvPr id="5" name="Picture 4">
             <a:extLst>
               <a:ext uri="{FF2B5EF4-FFF2-40B4-BE49-F238E27FC236}">
-                <a16:creationId xmlns:a16="http://schemas.microsoft.com/office/drawing/2014/main" id="{66555825-9050-1446-80A9-D211723F4D27}"/>
+                <a16:creationId xmlns:a16="http://schemas.microsoft.com/office/drawing/2014/main" id="{1449B184-0569-EAF0-3807-D775F2F10D16}"/>
               </a:ext>
             </a:extLst>
           </p:cNvPr>
@@ -13292,16 +13363,15 @@
           </p:cNvPicPr>
           <p:nvPr/>
         </p:nvPicPr>
-        <p:blipFill>
+        <p:blipFill rotWithShape="1">
           <a:blip r:embed="rId5"/>
-          <a:stretch>
-            <a:fillRect/>
-          </a:stretch>
+          <a:srcRect r="65862" b="66940"/>
+          <a:stretch/>
         </p:blipFill>
         <p:spPr>
           <a:xfrm>
-            <a:off x="7447359" y="955591"/>
-            <a:ext cx="3371566" cy="4940024"/>
+            <a:off x="7043933" y="2813575"/>
+            <a:ext cx="4178419" cy="1224055"/>
           </a:xfrm>
           <a:prstGeom prst="rect">
             <a:avLst/>
@@ -13315,7 +13385,7 @@
     </p:spTree>
     <p:extLst>
       <p:ext uri="{BB962C8B-B14F-4D97-AF65-F5344CB8AC3E}">
-        <p14:creationId xmlns:p14="http://schemas.microsoft.com/office/powerpoint/2010/main" val="426572526"/>
+        <p14:creationId xmlns:p14="http://schemas.microsoft.com/office/powerpoint/2010/main" val="3339822894"/>
       </p:ext>
     </p:extLst>
   </p:cSld>
@@ -13352,7 +13422,7 @@
       </p:grpSpPr>
       <p:pic>
         <p:nvPicPr>
-          <p:cNvPr id="33" name="Picture 32">
+          <p:cNvPr id="34" name="Picture 33">
             <a:extLst>
               <a:ext uri="{FF2B5EF4-FFF2-40B4-BE49-F238E27FC236}">
                 <a16:creationId xmlns:a16="http://schemas.microsoft.com/office/drawing/2014/main" id="{5321D838-2C7E-4177-9DD3-DAC78324A2B2}"/>
@@ -13398,7 +13468,7 @@
       </p:pic>
       <p:pic>
         <p:nvPicPr>
-          <p:cNvPr id="35" name="Picture 34">
+          <p:cNvPr id="36" name="Picture 35">
             <a:extLst>
               <a:ext uri="{FF2B5EF4-FFF2-40B4-BE49-F238E27FC236}">
                 <a16:creationId xmlns:a16="http://schemas.microsoft.com/office/drawing/2014/main" id="{224C28B3-E902-49D1-98A0-582D277A0E00}"/>
@@ -13443,7 +13513,7 @@
       </p:pic>
       <p:pic>
         <p:nvPicPr>
-          <p:cNvPr id="37" name="Picture 36">
+          <p:cNvPr id="38" name="Picture 37">
             <a:extLst>
               <a:ext uri="{FF2B5EF4-FFF2-40B4-BE49-F238E27FC236}">
                 <a16:creationId xmlns:a16="http://schemas.microsoft.com/office/drawing/2014/main" id="{F3A6C14C-E755-4A02-821B-6EA2D4C9F20D}"/>
@@ -13488,7 +13558,7 @@
       </p:pic>
       <p:sp>
         <p:nvSpPr>
-          <p:cNvPr id="39" name="Rectangle 38">
+          <p:cNvPr id="40" name="Rectangle 39">
             <a:extLst>
               <a:ext uri="{FF2B5EF4-FFF2-40B4-BE49-F238E27FC236}">
                 <a16:creationId xmlns:a16="http://schemas.microsoft.com/office/drawing/2014/main" id="{6478287C-E119-4E9C-95B0-518478BD9D07}"/>
@@ -13546,7 +13616,7 @@
       </p:sp>
       <p:sp>
         <p:nvSpPr>
-          <p:cNvPr id="41" name="Rectangle 40">
+          <p:cNvPr id="42" name="Rectangle 41">
             <a:extLst>
               <a:ext uri="{FF2B5EF4-FFF2-40B4-BE49-F238E27FC236}">
                 <a16:creationId xmlns:a16="http://schemas.microsoft.com/office/drawing/2014/main" id="{EA4A294F-6D36-425B-8632-27FD6A284D09}"/>
@@ -13601,7 +13671,7 @@
       </p:sp>
       <p:pic>
         <p:nvPicPr>
-          <p:cNvPr id="43" name="Picture 42">
+          <p:cNvPr id="44" name="Picture 43">
             <a:extLst>
               <a:ext uri="{FF2B5EF4-FFF2-40B4-BE49-F238E27FC236}">
                 <a16:creationId xmlns:a16="http://schemas.microsoft.com/office/drawing/2014/main" id="{D8DF5C3E-BDAB-40E6-A40B-8C05D8CD3F52}"/>
@@ -13661,7 +13731,7 @@
       </p:pic>
       <p:pic>
         <p:nvPicPr>
-          <p:cNvPr id="45" name="Picture 44">
+          <p:cNvPr id="46" name="Picture 45">
             <a:extLst>
               <a:ext uri="{FF2B5EF4-FFF2-40B4-BE49-F238E27FC236}">
                 <a16:creationId xmlns:a16="http://schemas.microsoft.com/office/drawing/2014/main" id="{9D90C31A-86E3-472B-B929-496667598EFF}"/>
@@ -13707,7 +13777,7 @@
       </p:pic>
       <p:sp>
         <p:nvSpPr>
-          <p:cNvPr id="47" name="Rectangle 46">
+          <p:cNvPr id="48" name="Rectangle 47">
             <a:extLst>
               <a:ext uri="{FF2B5EF4-FFF2-40B4-BE49-F238E27FC236}">
                 <a16:creationId xmlns:a16="http://schemas.microsoft.com/office/drawing/2014/main" id="{9DD3589A-DB65-424B-ACF1-5C8155F1C3A8}"/>
@@ -13767,7 +13837,7 @@
       </p:sp>
       <p:sp>
         <p:nvSpPr>
-          <p:cNvPr id="49" name="Rectangle 48">
+          <p:cNvPr id="50" name="Rectangle 49">
             <a:extLst>
               <a:ext uri="{FF2B5EF4-FFF2-40B4-BE49-F238E27FC236}">
                 <a16:creationId xmlns:a16="http://schemas.microsoft.com/office/drawing/2014/main" id="{9F784D76-D302-4160-A2D4-C2F4AB76D478}"/>
@@ -13825,7 +13895,7 @@
           <p:cNvPr id="2" name="Title 1">
             <a:extLst>
               <a:ext uri="{FF2B5EF4-FFF2-40B4-BE49-F238E27FC236}">
-                <a16:creationId xmlns:a16="http://schemas.microsoft.com/office/drawing/2014/main" id="{296EDEE9-2628-0067-AFF9-6E28E2686A80}"/>
+                <a16:creationId xmlns:a16="http://schemas.microsoft.com/office/drawing/2014/main" id="{7AEEB363-0D90-1432-5259-4AB985D20749}"/>
               </a:ext>
             </a:extLst>
           </p:cNvPr>
@@ -13849,19 +13919,33 @@
           <a:lstStyle/>
           <a:p>
             <a:r>
-              <a:rPr lang="en-US" sz="2300">
+              <a:rPr lang="en-US" sz="2500" b="1" i="0">
                 <a:solidFill>
                   <a:srgbClr val="FFFFFF"/>
                 </a:solidFill>
+                <a:effectLst/>
               </a:rPr>
-              <a:t>THE MOST FREQUENT INVESTOR IN UNICORN COMPANIES AND THEIR INVESTMENT</a:t>
-            </a:r>
+              <a:t>COMPANIES WITH THE WORST ROI</a:t>
+            </a:r>
+            <a:br>
+              <a:rPr lang="en-US" sz="2500" b="1" i="0">
+                <a:solidFill>
+                  <a:srgbClr val="FFFFFF"/>
+                </a:solidFill>
+                <a:effectLst/>
+              </a:rPr>
+            </a:br>
+            <a:endParaRPr lang="en-US" sz="2500">
+              <a:solidFill>
+                <a:srgbClr val="FFFFFF"/>
+              </a:solidFill>
+            </a:endParaRPr>
           </a:p>
         </p:txBody>
       </p:sp>
       <p:pic>
         <p:nvPicPr>
-          <p:cNvPr id="51" name="Picture 50">
+          <p:cNvPr id="52" name="Picture 51">
             <a:extLst>
               <a:ext uri="{FF2B5EF4-FFF2-40B4-BE49-F238E27FC236}">
                 <a16:creationId xmlns:a16="http://schemas.microsoft.com/office/drawing/2014/main" id="{608D9710-1A5F-4D24-B654-F2081DE6014C}"/>
@@ -13906,10 +13990,10 @@
       </p:pic>
       <p:sp>
         <p:nvSpPr>
-          <p:cNvPr id="4" name="TextBox 3">
+          <p:cNvPr id="3" name="TextBox 2">
             <a:extLst>
               <a:ext uri="{FF2B5EF4-FFF2-40B4-BE49-F238E27FC236}">
-                <a16:creationId xmlns:a16="http://schemas.microsoft.com/office/drawing/2014/main" id="{70DED1BF-238E-AA6E-FCDB-183B8BC92A27}"/>
+                <a16:creationId xmlns:a16="http://schemas.microsoft.com/office/drawing/2014/main" id="{5EFA9489-C152-B4C2-1BB4-5CCA986A6E76}"/>
               </a:ext>
             </a:extLst>
           </p:cNvPr>
@@ -13942,7 +14026,7 @@
               <a:buChar char="•"/>
             </a:pPr>
             <a:r>
-              <a:rPr lang="en-US" sz="1700" b="0" i="0" dirty="0">
+              <a:rPr lang="en-US" sz="2000" b="0" i="0" dirty="0">
                 <a:solidFill>
                   <a:srgbClr val="FFFFFF"/>
                 </a:solidFill>
@@ -13963,13 +14047,31 @@
               <a:buChar char="•"/>
             </a:pPr>
             <a:r>
-              <a:rPr lang="en-US" sz="1700" b="0" i="0" dirty="0">
+              <a:rPr lang="en-US" sz="2000" b="0" i="0" dirty="0">
                 <a:solidFill>
                   <a:srgbClr val="FFFFFF"/>
                 </a:solidFill>
                 <a:effectLst/>
               </a:rPr>
-              <a:t>From analysis, Sequoia Capital was found to be the most frequent investor by investing in three(3) Unicorn Companies. The companies and the amount invested is listed below: </a:t>
+              <a:t>15 of these companies are below the 10.5% standard on ROI for a </a:t>
+            </a:r>
+            <a:r>
+              <a:rPr lang="en-US" sz="2000" b="0" i="0" dirty="0" err="1">
+                <a:solidFill>
+                  <a:srgbClr val="FFFFFF"/>
+                </a:solidFill>
+                <a:effectLst/>
+              </a:rPr>
+              <a:t>succesful</a:t>
+            </a:r>
+            <a:r>
+              <a:rPr lang="en-US" sz="2000" b="0" i="0" dirty="0">
+                <a:solidFill>
+                  <a:srgbClr val="FFFFFF"/>
+                </a:solidFill>
+                <a:effectLst/>
+              </a:rPr>
+              <a:t> company, with 4 of these companies having a negative 100% ROI.</a:t>
             </a:r>
           </a:p>
           <a:p>
@@ -13983,91 +14085,7 @@
               <a:buFont typeface="Arial" panose="020B0604020202020204" pitchFamily="34" charset="0"/>
               <a:buChar char="•"/>
             </a:pPr>
-            <a:r>
-              <a:rPr lang="en-US" sz="1700" b="0" i="0" dirty="0">
-                <a:solidFill>
-                  <a:srgbClr val="FFFFFF"/>
-                </a:solidFill>
-                <a:effectLst/>
-              </a:rPr>
-              <a:t>    1. MUSINSA - USD287 Million</a:t>
-            </a:r>
-          </a:p>
-          <a:p>
-            <a:pPr indent="-228600" defTabSz="914400">
-              <a:lnSpc>
-                <a:spcPct val="90000"/>
-              </a:lnSpc>
-              <a:spcAft>
-                <a:spcPts val="600"/>
-              </a:spcAft>
-              <a:buFont typeface="Arial" panose="020B0604020202020204" pitchFamily="34" charset="0"/>
-              <a:buChar char="•"/>
-            </a:pPr>
-            <a:r>
-              <a:rPr lang="en-US" sz="1700" b="0" i="0" dirty="0">
-                <a:solidFill>
-                  <a:srgbClr val="FFFFFF"/>
-                </a:solidFill>
-                <a:effectLst/>
-              </a:rPr>
-              <a:t>    2. Retool  - USD96 Million</a:t>
-            </a:r>
-          </a:p>
-          <a:p>
-            <a:pPr indent="-228600" defTabSz="914400">
-              <a:lnSpc>
-                <a:spcPct val="90000"/>
-              </a:lnSpc>
-              <a:spcAft>
-                <a:spcPts val="600"/>
-              </a:spcAft>
-              <a:buFont typeface="Arial" panose="020B0604020202020204" pitchFamily="34" charset="0"/>
-              <a:buChar char="•"/>
-            </a:pPr>
-            <a:r>
-              <a:rPr lang="en-US" sz="1700" b="0" i="0" dirty="0">
-                <a:solidFill>
-                  <a:srgbClr val="FFFFFF"/>
-                </a:solidFill>
-                <a:effectLst/>
-              </a:rPr>
-              <a:t>    3. SSENSE  - USD4 Billion</a:t>
-            </a:r>
-          </a:p>
-          <a:p>
-            <a:pPr indent="-228600" defTabSz="914400">
-              <a:lnSpc>
-                <a:spcPct val="90000"/>
-              </a:lnSpc>
-              <a:spcAft>
-                <a:spcPts val="600"/>
-              </a:spcAft>
-              <a:buFont typeface="Arial" panose="020B0604020202020204" pitchFamily="34" charset="0"/>
-              <a:buChar char="•"/>
-            </a:pPr>
-            <a:r>
-              <a:rPr lang="en-US" sz="1700" b="0" i="0" dirty="0">
-                <a:solidFill>
-                  <a:srgbClr val="FFFFFF"/>
-                </a:solidFill>
-                <a:effectLst/>
-              </a:rPr>
-              <a:t>- It is important to note that according to the data, they may not be the sole investors of the said monies but are seen to be the most frequent of investors amongst the list of Unicorn Companies.</a:t>
-            </a:r>
-          </a:p>
-          <a:p>
-            <a:pPr indent="-228600" defTabSz="914400">
-              <a:lnSpc>
-                <a:spcPct val="90000"/>
-              </a:lnSpc>
-              <a:spcAft>
-                <a:spcPts val="600"/>
-              </a:spcAft>
-              <a:buFont typeface="Arial" panose="020B0604020202020204" pitchFamily="34" charset="0"/>
-              <a:buChar char="•"/>
-            </a:pPr>
-            <a:endParaRPr lang="en-US" sz="1700" dirty="0">
+            <a:endParaRPr lang="en-US" sz="2000" dirty="0">
               <a:solidFill>
                 <a:srgbClr val="FFFFFF"/>
               </a:solidFill>
@@ -14077,7 +14095,7 @@
       </p:sp>
       <p:sp useBgFill="1">
         <p:nvSpPr>
-          <p:cNvPr id="53" name="Rectangle 52">
+          <p:cNvPr id="54" name="Rectangle 53">
             <a:extLst>
               <a:ext uri="{FF2B5EF4-FFF2-40B4-BE49-F238E27FC236}">
                 <a16:creationId xmlns:a16="http://schemas.microsoft.com/office/drawing/2014/main" id="{2B57E7D2-A94B-4A8D-B58F-D3E30C2353DE}"/>
@@ -14144,10 +14162,10 @@
       </p:sp>
       <p:pic>
         <p:nvPicPr>
-          <p:cNvPr id="5" name="Picture 4">
+          <p:cNvPr id="6" name="Picture 5">
             <a:extLst>
               <a:ext uri="{FF2B5EF4-FFF2-40B4-BE49-F238E27FC236}">
-                <a16:creationId xmlns:a16="http://schemas.microsoft.com/office/drawing/2014/main" id="{1449B184-0569-EAF0-3807-D775F2F10D16}"/>
+                <a16:creationId xmlns:a16="http://schemas.microsoft.com/office/drawing/2014/main" id="{66555825-9050-1446-80A9-D211723F4D27}"/>
               </a:ext>
             </a:extLst>
           </p:cNvPr>
@@ -14156,15 +14174,16 @@
           </p:cNvPicPr>
           <p:nvPr/>
         </p:nvPicPr>
-        <p:blipFill rotWithShape="1">
+        <p:blipFill>
           <a:blip r:embed="rId5"/>
-          <a:srcRect r="65862" b="66940"/>
-          <a:stretch/>
+          <a:stretch>
+            <a:fillRect/>
+          </a:stretch>
         </p:blipFill>
         <p:spPr>
           <a:xfrm>
-            <a:off x="7043933" y="2813575"/>
-            <a:ext cx="4178419" cy="1224055"/>
+            <a:off x="7447359" y="955591"/>
+            <a:ext cx="3371566" cy="4940024"/>
           </a:xfrm>
           <a:prstGeom prst="rect">
             <a:avLst/>
@@ -14178,7 +14197,7 @@
     </p:spTree>
     <p:extLst>
       <p:ext uri="{BB962C8B-B14F-4D97-AF65-F5344CB8AC3E}">
-        <p14:creationId xmlns:p14="http://schemas.microsoft.com/office/powerpoint/2010/main" val="3339822894"/>
+        <p14:creationId xmlns:p14="http://schemas.microsoft.com/office/powerpoint/2010/main" val="426572526"/>
       </p:ext>
     </p:extLst>
   </p:cSld>
